--- a/static/lectures/SSA_Lecture9_MatrixDemPVA.pptx
+++ b/static/lectures/SSA_Lecture9_MatrixDemPVA.pptx
@@ -250,7 +250,7 @@
           <a:p>
             <a:fld id="{3C079259-DB70-46CD-BD73-7BF35236743F}" type="datetimeFigureOut">
               <a:rPr lang="en-US" smtClean="0"/>
-              <a:t>11/5/2019</a:t>
+              <a:t>11/26/2019</a:t>
             </a:fld>
             <a:endParaRPr lang="en-US"/>
           </a:p>
@@ -3083,7 +3083,7 @@
           <a:p>
             <a:fld id="{96DCDAD2-BF2B-4B23-962D-FA09F549519F}" type="datetimeFigureOut">
               <a:rPr lang="en-US" smtClean="0"/>
-              <a:t>11/5/2019</a:t>
+              <a:t>11/26/2019</a:t>
             </a:fld>
             <a:endParaRPr lang="en-US"/>
           </a:p>
@@ -3307,7 +3307,7 @@
           <a:p>
             <a:fld id="{96DCDAD2-BF2B-4B23-962D-FA09F549519F}" type="datetimeFigureOut">
               <a:rPr lang="en-US" smtClean="0"/>
-              <a:t>11/5/2019</a:t>
+              <a:t>11/26/2019</a:t>
             </a:fld>
             <a:endParaRPr lang="en-US"/>
           </a:p>
@@ -3847,7 +3847,7 @@
           <a:p>
             <a:fld id="{96DCDAD2-BF2B-4B23-962D-FA09F549519F}" type="datetimeFigureOut">
               <a:rPr lang="en-US" smtClean="0"/>
-              <a:t>11/5/2019</a:t>
+              <a:t>11/26/2019</a:t>
             </a:fld>
             <a:endParaRPr lang="en-US"/>
           </a:p>
@@ -4128,7 +4128,7 @@
           <a:p>
             <a:fld id="{96DCDAD2-BF2B-4B23-962D-FA09F549519F}" type="datetimeFigureOut">
               <a:rPr lang="en-US" smtClean="0"/>
-              <a:t>11/5/2019</a:t>
+              <a:t>11/26/2019</a:t>
             </a:fld>
             <a:endParaRPr lang="en-US"/>
           </a:p>
@@ -4556,7 +4556,7 @@
           <a:p>
             <a:fld id="{96DCDAD2-BF2B-4B23-962D-FA09F549519F}" type="datetimeFigureOut">
               <a:rPr lang="en-US" smtClean="0"/>
-              <a:t>11/5/2019</a:t>
+              <a:t>11/26/2019</a:t>
             </a:fld>
             <a:endParaRPr lang="en-US"/>
           </a:p>
@@ -4713,7 +4713,7 @@
           <a:p>
             <a:fld id="{96DCDAD2-BF2B-4B23-962D-FA09F549519F}" type="datetimeFigureOut">
               <a:rPr lang="en-US" smtClean="0"/>
-              <a:t>11/5/2019</a:t>
+              <a:t>11/26/2019</a:t>
             </a:fld>
             <a:endParaRPr lang="en-US"/>
           </a:p>
@@ -4842,7 +4842,7 @@
           <a:p>
             <a:fld id="{96DCDAD2-BF2B-4B23-962D-FA09F549519F}" type="datetimeFigureOut">
               <a:rPr lang="en-US" smtClean="0"/>
-              <a:t>11/5/2019</a:t>
+              <a:t>11/26/2019</a:t>
             </a:fld>
             <a:endParaRPr lang="en-US"/>
           </a:p>
@@ -5169,7 +5169,7 @@
           <a:p>
             <a:fld id="{96DCDAD2-BF2B-4B23-962D-FA09F549519F}" type="datetimeFigureOut">
               <a:rPr lang="en-US" smtClean="0"/>
-              <a:t>11/5/2019</a:t>
+              <a:t>11/26/2019</a:t>
             </a:fld>
             <a:endParaRPr lang="en-US"/>
           </a:p>
@@ -5476,7 +5476,7 @@
           <a:p>
             <a:fld id="{96DCDAD2-BF2B-4B23-962D-FA09F549519F}" type="datetimeFigureOut">
               <a:rPr lang="en-US" smtClean="0"/>
-              <a:t>11/5/2019</a:t>
+              <a:t>11/26/2019</a:t>
             </a:fld>
             <a:endParaRPr lang="en-US"/>
           </a:p>
@@ -27513,7 +27513,7 @@
         </p:nvSpPr>
         <p:spPr>
           <a:xfrm>
-            <a:off x="281233" y="832366"/>
+            <a:off x="138286" y="907197"/>
             <a:ext cx="5814767" cy="369332"/>
           </a:xfrm>
           <a:prstGeom prst="rect">
@@ -27571,6 +27571,66 @@
           </a:p>
         </p:txBody>
       </p:sp>
+      <p:pic>
+        <p:nvPicPr>
+          <p:cNvPr id="2" name="Picture 1">
+            <a:extLst>
+              <a:ext uri="{FF2B5EF4-FFF2-40B4-BE49-F238E27FC236}">
+                <a16:creationId xmlns:a16="http://schemas.microsoft.com/office/drawing/2014/main" id="{40FAA48C-1EC6-497B-9A44-DDC02DA660DD}"/>
+              </a:ext>
+            </a:extLst>
+          </p:cNvPr>
+          <p:cNvPicPr>
+            <a:picLocks noChangeAspect="1"/>
+          </p:cNvPicPr>
+          <p:nvPr/>
+        </p:nvPicPr>
+        <p:blipFill>
+          <a:blip r:embed="rId2"/>
+          <a:stretch>
+            <a:fillRect/>
+          </a:stretch>
+        </p:blipFill>
+        <p:spPr>
+          <a:xfrm>
+            <a:off x="0" y="1712884"/>
+            <a:ext cx="5710864" cy="3332962"/>
+          </a:xfrm>
+          <a:prstGeom prst="rect">
+            <a:avLst/>
+          </a:prstGeom>
+        </p:spPr>
+      </p:pic>
+      <p:pic>
+        <p:nvPicPr>
+          <p:cNvPr id="3" name="Picture 2">
+            <a:extLst>
+              <a:ext uri="{FF2B5EF4-FFF2-40B4-BE49-F238E27FC236}">
+                <a16:creationId xmlns:a16="http://schemas.microsoft.com/office/drawing/2014/main" id="{5DA710E0-15DF-479F-99E0-D73093676258}"/>
+              </a:ext>
+            </a:extLst>
+          </p:cNvPr>
+          <p:cNvPicPr>
+            <a:picLocks noChangeAspect="1"/>
+          </p:cNvPicPr>
+          <p:nvPr/>
+        </p:nvPicPr>
+        <p:blipFill>
+          <a:blip r:embed="rId3"/>
+          <a:stretch>
+            <a:fillRect/>
+          </a:stretch>
+        </p:blipFill>
+        <p:spPr>
+          <a:xfrm>
+            <a:off x="5953053" y="1616307"/>
+            <a:ext cx="5814767" cy="3526117"/>
+          </a:xfrm>
+          <a:prstGeom prst="rect">
+            <a:avLst/>
+          </a:prstGeom>
+        </p:spPr>
+      </p:pic>
     </p:spTree>
     <p:extLst>
       <p:ext uri="{BB962C8B-B14F-4D97-AF65-F5344CB8AC3E}">
@@ -27581,6 +27641,129 @@
   <p:clrMapOvr>
     <a:masterClrMapping/>
   </p:clrMapOvr>
+  <p:timing>
+    <p:tnLst>
+      <p:par>
+        <p:cTn id="1" dur="indefinite" restart="never" nodeType="tmRoot">
+          <p:childTnLst>
+            <p:seq concurrent="1" nextAc="seek">
+              <p:cTn id="2" dur="indefinite" nodeType="mainSeq">
+                <p:childTnLst>
+                  <p:par>
+                    <p:cTn id="3" fill="hold">
+                      <p:stCondLst>
+                        <p:cond delay="indefinite"/>
+                      </p:stCondLst>
+                      <p:childTnLst>
+                        <p:par>
+                          <p:cTn id="4" fill="hold">
+                            <p:stCondLst>
+                              <p:cond delay="0"/>
+                            </p:stCondLst>
+                            <p:childTnLst>
+                              <p:par>
+                                <p:cTn id="5" presetID="1" presetClass="entr" presetSubtype="0" fill="hold" grpId="0" nodeType="clickEffect">
+                                  <p:stCondLst>
+                                    <p:cond delay="0"/>
+                                  </p:stCondLst>
+                                  <p:childTnLst>
+                                    <p:set>
+                                      <p:cBhvr>
+                                        <p:cTn id="6" dur="1" fill="hold">
+                                          <p:stCondLst>
+                                            <p:cond delay="0"/>
+                                          </p:stCondLst>
+                                        </p:cTn>
+                                        <p:tgtEl>
+                                          <p:spTgt spid="6"/>
+                                        </p:tgtEl>
+                                        <p:attrNameLst>
+                                          <p:attrName>style.visibility</p:attrName>
+                                        </p:attrNameLst>
+                                      </p:cBhvr>
+                                      <p:to>
+                                        <p:strVal val="visible"/>
+                                      </p:to>
+                                    </p:set>
+                                  </p:childTnLst>
+                                </p:cTn>
+                              </p:par>
+                            </p:childTnLst>
+                          </p:cTn>
+                        </p:par>
+                      </p:childTnLst>
+                    </p:cTn>
+                  </p:par>
+                  <p:par>
+                    <p:cTn id="7" fill="hold">
+                      <p:stCondLst>
+                        <p:cond delay="indefinite"/>
+                      </p:stCondLst>
+                      <p:childTnLst>
+                        <p:par>
+                          <p:cTn id="8" fill="hold">
+                            <p:stCondLst>
+                              <p:cond delay="0"/>
+                            </p:stCondLst>
+                            <p:childTnLst>
+                              <p:par>
+                                <p:cTn id="9" presetID="1" presetClass="entr" presetSubtype="0" fill="hold" nodeType="clickEffect">
+                                  <p:stCondLst>
+                                    <p:cond delay="0"/>
+                                  </p:stCondLst>
+                                  <p:childTnLst>
+                                    <p:set>
+                                      <p:cBhvr>
+                                        <p:cTn id="10" dur="1" fill="hold">
+                                          <p:stCondLst>
+                                            <p:cond delay="0"/>
+                                          </p:stCondLst>
+                                        </p:cTn>
+                                        <p:tgtEl>
+                                          <p:spTgt spid="3"/>
+                                        </p:tgtEl>
+                                        <p:attrNameLst>
+                                          <p:attrName>style.visibility</p:attrName>
+                                        </p:attrNameLst>
+                                      </p:cBhvr>
+                                      <p:to>
+                                        <p:strVal val="visible"/>
+                                      </p:to>
+                                    </p:set>
+                                  </p:childTnLst>
+                                </p:cTn>
+                              </p:par>
+                            </p:childTnLst>
+                          </p:cTn>
+                        </p:par>
+                      </p:childTnLst>
+                    </p:cTn>
+                  </p:par>
+                </p:childTnLst>
+              </p:cTn>
+              <p:prevCondLst>
+                <p:cond evt="onPrev" delay="0">
+                  <p:tgtEl>
+                    <p:sldTgt/>
+                  </p:tgtEl>
+                </p:cond>
+              </p:prevCondLst>
+              <p:nextCondLst>
+                <p:cond evt="onNext" delay="0">
+                  <p:tgtEl>
+                    <p:sldTgt/>
+                  </p:tgtEl>
+                </p:cond>
+              </p:nextCondLst>
+            </p:seq>
+          </p:childTnLst>
+        </p:cTn>
+      </p:par>
+    </p:tnLst>
+    <p:bldLst>
+      <p:bldP spid="6" grpId="0"/>
+    </p:bldLst>
+  </p:timing>
 </p:sld>
 </file>
 
@@ -30335,8 +30518,8 @@
           </a:p>
         </p:txBody>
       </p:sp>
-      <mc:AlternateContent xmlns:mc="http://schemas.openxmlformats.org/markup-compatibility/2006">
-        <mc:Choice xmlns:a14="http://schemas.microsoft.com/office/drawing/2010/main" Requires="a14">
+      <mc:AlternateContent xmlns:mc="http://schemas.openxmlformats.org/markup-compatibility/2006" xmlns:a14="http://schemas.microsoft.com/office/drawing/2010/main">
+        <mc:Choice Requires="a14">
           <p:sp>
             <p:nvSpPr>
               <p:cNvPr id="12" name="Content Placeholder 4">
@@ -31111,7 +31294,7 @@
             </p:txBody>
           </p:sp>
         </mc:Choice>
-        <mc:Fallback>
+        <mc:Fallback xmlns="">
           <p:sp>
             <p:nvSpPr>
               <p:cNvPr id="12" name="Content Placeholder 4">
@@ -38375,8 +38558,8 @@
           </a:p>
         </p:txBody>
       </p:sp>
-      <mc:AlternateContent xmlns:mc="http://schemas.openxmlformats.org/markup-compatibility/2006">
-        <mc:Choice xmlns:a14="http://schemas.microsoft.com/office/drawing/2010/main" Requires="a14">
+      <mc:AlternateContent xmlns:mc="http://schemas.openxmlformats.org/markup-compatibility/2006" xmlns:a14="http://schemas.microsoft.com/office/drawing/2010/main">
+        <mc:Choice Requires="a14">
           <p:sp>
             <p:nvSpPr>
               <p:cNvPr id="3" name="Content Placeholder 2"/>
@@ -38637,7 +38820,7 @@
             </p:txBody>
           </p:sp>
         </mc:Choice>
-        <mc:Fallback>
+        <mc:Fallback xmlns="">
           <p:sp>
             <p:nvSpPr>
               <p:cNvPr id="3" name="Content Placeholder 2"/>
